--- a/power.pptx
+++ b/power.pptx
@@ -140,9 +140,6 @@
             <p14:sldId id="256"/>
             <p14:sldId id="315"/>
           </p14:sldIdLst>
-        </p14:section>
-        <p14:section name="Section 5" id="{1D98213C-742D-4C51-877E-210B9C041D51}">
-          <p14:sldIdLst/>
         </p14:section>
       </p14:sectionLst>
     </p:ext>
@@ -8438,6 +8435,7 @@
       <p:sp>
         <p:nvSpPr>
           <p:cNvPr id="2" name="Rectangle: Rounded Corners 1">
+            <a:hlinkClick r:id="rId2"/>
             <a:extLst>
               <a:ext uri="{FF2B5EF4-FFF2-40B4-BE49-F238E27FC236}">
                 <a16:creationId xmlns:a16="http://schemas.microsoft.com/office/drawing/2014/main" id="{508C8FA5-3874-D95E-2D49-10ABAA94B9E1}"/>
@@ -8449,11 +8447,13 @@
         </p:nvSpPr>
         <p:spPr>
           <a:xfrm>
-            <a:off x="3497178" y="1828800"/>
+            <a:off x="4002505" y="2165685"/>
             <a:ext cx="4186990" cy="1600200"/>
           </a:xfrm>
           <a:prstGeom prst="roundRect">
-            <a:avLst/>
+            <a:avLst>
+              <a:gd name="adj" fmla="val 50000"/>
+            </a:avLst>
           </a:prstGeom>
         </p:spPr>
         <p:style>
